--- a/Dokumentation/Präsentation/BAT_Zwischenpraesentation.pptx
+++ b/Dokumentation/Präsentation/BAT_Zwischenpraesentation.pptx
@@ -16,7 +16,8 @@
     <p:sldId id="268" r:id="rId10"/>
     <p:sldId id="267" r:id="rId11"/>
     <p:sldId id="265" r:id="rId12"/>
-    <p:sldId id="259" r:id="rId13"/>
+    <p:sldId id="269" r:id="rId13"/>
+    <p:sldId id="259" r:id="rId14"/>
   </p:sldIdLst>
   <p:sldSz cx="12192000" cy="6858000"/>
   <p:notesSz cx="6858000" cy="9144000"/>
@@ -115,6 +116,11 @@
       </a:defRPr>
     </a:lvl9pPr>
   </p:defaultTextStyle>
+  <p:extLst>
+    <p:ext uri="{EFAFB233-063F-42B5-8137-9DF3F51BA10A}">
+      <p15:sldGuideLst xmlns:p15="http://schemas.microsoft.com/office/powerpoint/2012/main"/>
+    </p:ext>
+  </p:extLst>
 </p:presentation>
 </file>
 
@@ -1066,10 +1072,10 @@
             </a:lnSpc>
           </a:pPr>
           <a:r>
-            <a:rPr lang="de-DE"/>
-            <a:t>Start</a:t>
+            <a:rPr lang="de-DE" dirty="0"/>
+            <a:t>Ausgangslage</a:t>
           </a:r>
-          <a:endParaRPr lang="en-US"/>
+          <a:endParaRPr lang="en-US" dirty="0"/>
         </a:p>
       </dgm:t>
     </dgm:pt>
@@ -1160,10 +1166,10 @@
             </a:lnSpc>
           </a:pPr>
           <a:r>
-            <a:rPr lang="de-DE"/>
+            <a:rPr lang="de-DE" dirty="0"/>
             <a:t>Vorgehen</a:t>
           </a:r>
-          <a:endParaRPr lang="en-US"/>
+          <a:endParaRPr lang="en-US" dirty="0"/>
         </a:p>
       </dgm:t>
     </dgm:pt>
@@ -1254,10 +1260,10 @@
             </a:lnSpc>
           </a:pPr>
           <a:r>
-            <a:rPr lang="de-DE"/>
+            <a:rPr lang="de-DE" dirty="0"/>
             <a:t>Ausblick</a:t>
           </a:r>
-          <a:endParaRPr lang="en-US"/>
+          <a:endParaRPr lang="en-US" dirty="0"/>
         </a:p>
       </dgm:t>
     </dgm:pt>
@@ -1676,7 +1682,7 @@
         </a:bodyPr>
         <a:lstStyle/>
         <a:p>
-          <a:pPr marL="0" lvl="0" indent="0" algn="ctr" defTabSz="1066800">
+          <a:pPr marL="0" lvl="0" indent="0" algn="ctr" defTabSz="933450">
             <a:lnSpc>
               <a:spcPct val="100000"/>
             </a:lnSpc>
@@ -1689,10 +1695,10 @@
             <a:buNone/>
           </a:pPr>
           <a:r>
-            <a:rPr lang="de-DE" sz="2400" kern="1200"/>
-            <a:t>Start</a:t>
+            <a:rPr lang="de-DE" sz="2100" kern="1200" dirty="0"/>
+            <a:t>Ausgangslage</a:t>
           </a:r>
-          <a:endParaRPr lang="en-US" sz="2400" kern="1200"/>
+          <a:endParaRPr lang="en-US" sz="2100" kern="1200" dirty="0"/>
         </a:p>
       </dsp:txBody>
       <dsp:txXfrm>
@@ -1787,7 +1793,7 @@
         </a:bodyPr>
         <a:lstStyle/>
         <a:p>
-          <a:pPr marL="0" lvl="0" indent="0" algn="ctr" defTabSz="1066800">
+          <a:pPr marL="0" lvl="0" indent="0" algn="ctr" defTabSz="933450">
             <a:lnSpc>
               <a:spcPct val="100000"/>
             </a:lnSpc>
@@ -1800,10 +1806,10 @@
             <a:buNone/>
           </a:pPr>
           <a:r>
-            <a:rPr lang="de-DE" sz="2400" kern="1200" dirty="0"/>
+            <a:rPr lang="de-DE" sz="2100" kern="1200" dirty="0"/>
             <a:t>Ziel</a:t>
           </a:r>
-          <a:endParaRPr lang="en-US" sz="2400" kern="1200" dirty="0"/>
+          <a:endParaRPr lang="en-US" sz="2100" kern="1200" dirty="0"/>
         </a:p>
       </dsp:txBody>
       <dsp:txXfrm>
@@ -1898,7 +1904,7 @@
         </a:bodyPr>
         <a:lstStyle/>
         <a:p>
-          <a:pPr marL="0" lvl="0" indent="0" algn="ctr" defTabSz="1066800">
+          <a:pPr marL="0" lvl="0" indent="0" algn="ctr" defTabSz="933450">
             <a:lnSpc>
               <a:spcPct val="100000"/>
             </a:lnSpc>
@@ -1911,10 +1917,10 @@
             <a:buNone/>
           </a:pPr>
           <a:r>
-            <a:rPr lang="de-DE" sz="2400" kern="1200"/>
+            <a:rPr lang="de-DE" sz="2100" kern="1200" dirty="0"/>
             <a:t>Vorgehen</a:t>
           </a:r>
-          <a:endParaRPr lang="en-US" sz="2400" kern="1200"/>
+          <a:endParaRPr lang="en-US" sz="2100" kern="1200" dirty="0"/>
         </a:p>
       </dsp:txBody>
       <dsp:txXfrm>
@@ -2014,7 +2020,7 @@
         </a:bodyPr>
         <a:lstStyle/>
         <a:p>
-          <a:pPr marL="0" lvl="0" indent="0" algn="ctr" defTabSz="1066800">
+          <a:pPr marL="0" lvl="0" indent="0" algn="ctr" defTabSz="933450">
             <a:lnSpc>
               <a:spcPct val="100000"/>
             </a:lnSpc>
@@ -2027,10 +2033,10 @@
             <a:buNone/>
           </a:pPr>
           <a:r>
-            <a:rPr lang="de-DE" sz="2400" kern="1200" dirty="0"/>
+            <a:rPr lang="de-DE" sz="2100" kern="1200" dirty="0"/>
             <a:t>Stand</a:t>
           </a:r>
-          <a:endParaRPr lang="en-US" sz="2400" kern="1200" dirty="0"/>
+          <a:endParaRPr lang="en-US" sz="2100" kern="1200" dirty="0"/>
         </a:p>
       </dsp:txBody>
       <dsp:txXfrm>
@@ -2125,7 +2131,7 @@
         </a:bodyPr>
         <a:lstStyle/>
         <a:p>
-          <a:pPr marL="0" lvl="0" indent="0" algn="ctr" defTabSz="1066800">
+          <a:pPr marL="0" lvl="0" indent="0" algn="ctr" defTabSz="933450">
             <a:lnSpc>
               <a:spcPct val="100000"/>
             </a:lnSpc>
@@ -2138,10 +2144,10 @@
             <a:buNone/>
           </a:pPr>
           <a:r>
-            <a:rPr lang="de-DE" sz="2400" kern="1200"/>
+            <a:rPr lang="de-DE" sz="2100" kern="1200" dirty="0"/>
             <a:t>Ausblick</a:t>
           </a:r>
-          <a:endParaRPr lang="en-US" sz="2400" kern="1200"/>
+          <a:endParaRPr lang="en-US" sz="2100" kern="1200" dirty="0"/>
         </a:p>
       </dsp:txBody>
       <dsp:txXfrm>
@@ -3530,7 +3536,7 @@
           <a:p>
             <a:fld id="{999A8DD2-C443-44AD-85B3-4CE72B962C5F}" type="datetimeFigureOut">
               <a:rPr lang="en-US" smtClean="0"/>
-              <a:t>4/3/2024</a:t>
+              <a:t>4/8/2024</a:t>
             </a:fld>
             <a:endParaRPr lang="en-US"/>
           </a:p>
@@ -3738,7 +3744,7 @@
           <a:p>
             <a:fld id="{999A8DD2-C443-44AD-85B3-4CE72B962C5F}" type="datetimeFigureOut">
               <a:rPr lang="en-US" smtClean="0"/>
-              <a:t>4/3/2024</a:t>
+              <a:t>4/8/2024</a:t>
             </a:fld>
             <a:endParaRPr lang="en-US"/>
           </a:p>
@@ -3946,7 +3952,7 @@
           <a:p>
             <a:fld id="{999A8DD2-C443-44AD-85B3-4CE72B962C5F}" type="datetimeFigureOut">
               <a:rPr lang="en-US" smtClean="0"/>
-              <a:t>4/3/2024</a:t>
+              <a:t>4/8/2024</a:t>
             </a:fld>
             <a:endParaRPr lang="en-US"/>
           </a:p>
@@ -4144,7 +4150,7 @@
           <a:p>
             <a:fld id="{999A8DD2-C443-44AD-85B3-4CE72B962C5F}" type="datetimeFigureOut">
               <a:rPr lang="en-US" smtClean="0"/>
-              <a:t>4/3/2024</a:t>
+              <a:t>4/8/2024</a:t>
             </a:fld>
             <a:endParaRPr lang="en-US"/>
           </a:p>
@@ -4422,7 +4428,7 @@
           <a:p>
             <a:fld id="{999A8DD2-C443-44AD-85B3-4CE72B962C5F}" type="datetimeFigureOut">
               <a:rPr lang="en-US" smtClean="0"/>
-              <a:t>4/3/2024</a:t>
+              <a:t>4/8/2024</a:t>
             </a:fld>
             <a:endParaRPr lang="en-US"/>
           </a:p>
@@ -4694,7 +4700,7 @@
           <a:p>
             <a:fld id="{999A8DD2-C443-44AD-85B3-4CE72B962C5F}" type="datetimeFigureOut">
               <a:rPr lang="en-US" smtClean="0"/>
-              <a:t>4/3/2024</a:t>
+              <a:t>4/8/2024</a:t>
             </a:fld>
             <a:endParaRPr lang="en-US"/>
           </a:p>
@@ -5118,7 +5124,7 @@
           <a:p>
             <a:fld id="{999A8DD2-C443-44AD-85B3-4CE72B962C5F}" type="datetimeFigureOut">
               <a:rPr lang="en-US" smtClean="0"/>
-              <a:t>4/3/2024</a:t>
+              <a:t>4/8/2024</a:t>
             </a:fld>
             <a:endParaRPr lang="en-US"/>
           </a:p>
@@ -5259,7 +5265,7 @@
           <a:p>
             <a:fld id="{999A8DD2-C443-44AD-85B3-4CE72B962C5F}" type="datetimeFigureOut">
               <a:rPr lang="en-US" smtClean="0"/>
-              <a:t>4/3/2024</a:t>
+              <a:t>4/8/2024</a:t>
             </a:fld>
             <a:endParaRPr lang="en-US"/>
           </a:p>
@@ -5372,7 +5378,7 @@
           <a:p>
             <a:fld id="{999A8DD2-C443-44AD-85B3-4CE72B962C5F}" type="datetimeFigureOut">
               <a:rPr lang="en-US" smtClean="0"/>
-              <a:t>4/3/2024</a:t>
+              <a:t>4/8/2024</a:t>
             </a:fld>
             <a:endParaRPr lang="en-US"/>
           </a:p>
@@ -5691,7 +5697,7 @@
           <a:p>
             <a:fld id="{999A8DD2-C443-44AD-85B3-4CE72B962C5F}" type="datetimeFigureOut">
               <a:rPr lang="en-US" smtClean="0"/>
-              <a:t>4/3/2024</a:t>
+              <a:t>4/8/2024</a:t>
             </a:fld>
             <a:endParaRPr lang="en-US"/>
           </a:p>
@@ -5985,7 +5991,7 @@
           <a:p>
             <a:fld id="{999A8DD2-C443-44AD-85B3-4CE72B962C5F}" type="datetimeFigureOut">
               <a:rPr lang="en-US" smtClean="0"/>
-              <a:t>4/3/2024</a:t>
+              <a:t>4/8/2024</a:t>
             </a:fld>
             <a:endParaRPr lang="en-US"/>
           </a:p>
@@ -6225,7 +6231,7 @@
           <a:p>
             <a:fld id="{999A8DD2-C443-44AD-85B3-4CE72B962C5F}" type="datetimeFigureOut">
               <a:rPr lang="en-US" smtClean="0"/>
-              <a:t>4/3/2024</a:t>
+              <a:t>4/8/2024</a:t>
             </a:fld>
             <a:endParaRPr lang="en-US"/>
           </a:p>
@@ -6721,7 +6727,7 @@
           <a:lstStyle/>
           <a:p>
             <a:pPr algn="ctr"/>
-            <a:endParaRPr lang="en-US"/>
+            <a:endParaRPr lang="en-US" dirty="0"/>
           </a:p>
         </p:txBody>
       </p:sp>
@@ -6787,7 +6793,7 @@
           <a:lstStyle/>
           <a:p>
             <a:pPr algn="ctr"/>
-            <a:endParaRPr lang="en-US"/>
+            <a:endParaRPr lang="en-US" dirty="0"/>
           </a:p>
         </p:txBody>
       </p:sp>
@@ -6973,7 +6979,7 @@
                 </a:solidFill>
                 <a:latin typeface="Agency FB" panose="020B0503020202020204" pitchFamily="34" charset="0"/>
               </a:rPr>
-              <a:t>Zwischenbesprechung – 26.04.2024</a:t>
+              <a:t>Zwischenpräsentation – 26.04.2024</a:t>
             </a:r>
             <a:endParaRPr lang="de-CH" sz="3600" b="0" dirty="0">
               <a:solidFill>
@@ -7673,10 +7679,55 @@
           <a:lstStyle/>
           <a:p>
             <a:r>
-              <a:rPr lang="de-DE"/>
-              <a:t>TODO</a:t>
-            </a:r>
-            <a:endParaRPr lang="de-CH" dirty="0"/>
+              <a:rPr lang="de-DE" dirty="0"/>
+              <a:t>Implementation Gewichtungsfilter</a:t>
+            </a:r>
+          </a:p>
+          <a:p>
+            <a:r>
+              <a:rPr lang="de-CH" dirty="0"/>
+              <a:t>Testen PCB-Rev. 1-2</a:t>
+            </a:r>
+          </a:p>
+          <a:p>
+            <a:r>
+              <a:rPr lang="de-CH" dirty="0"/>
+              <a:t>Messungen</a:t>
+            </a:r>
+          </a:p>
+          <a:p>
+            <a:pPr lvl="1"/>
+            <a:r>
+              <a:rPr lang="de-CH" dirty="0"/>
+              <a:t>Leistungsaufnahme Gesamtsystem</a:t>
+            </a:r>
+          </a:p>
+          <a:p>
+            <a:pPr lvl="1"/>
+            <a:r>
+              <a:rPr lang="de-CH" dirty="0"/>
+              <a:t>Mikrofon-Kalibrierung</a:t>
+            </a:r>
+          </a:p>
+          <a:p>
+            <a:pPr lvl="1"/>
+            <a:r>
+              <a:rPr lang="de-CH" dirty="0"/>
+              <a:t>Vergleich</a:t>
+            </a:r>
+          </a:p>
+          <a:p>
+            <a:r>
+              <a:rPr lang="de-CH" dirty="0"/>
+              <a:t>Optional:</a:t>
+            </a:r>
+          </a:p>
+          <a:p>
+            <a:pPr lvl="1"/>
+            <a:r>
+              <a:rPr lang="de-CH" dirty="0"/>
+              <a:t>Implementation BLE</a:t>
+            </a:r>
           </a:p>
         </p:txBody>
       </p:sp>
@@ -7746,6 +7797,42 @@
           </a:p>
         </p:txBody>
       </p:sp>
+      <p:pic>
+        <p:nvPicPr>
+          <p:cNvPr id="6" name="Grafik 5" descr="Ein Bild, das Reihe, Text, Diagramm, parallel enthält.&#10;&#10;Automatisch generierte Beschreibung">
+            <a:extLst>
+              <a:ext uri="{FF2B5EF4-FFF2-40B4-BE49-F238E27FC236}">
+                <a16:creationId xmlns:a16="http://schemas.microsoft.com/office/drawing/2014/main" id="{264AD64D-5E1A-777E-7777-555FA323DF8C}"/>
+              </a:ext>
+            </a:extLst>
+          </p:cNvPr>
+          <p:cNvPicPr>
+            <a:picLocks noChangeAspect="1"/>
+          </p:cNvPicPr>
+          <p:nvPr/>
+        </p:nvPicPr>
+        <p:blipFill>
+          <a:blip r:embed="rId4">
+            <a:extLst>
+              <a:ext uri="{28A0092B-C50C-407E-A947-70E740481C1C}">
+                <a14:useLocalDpi xmlns:a14="http://schemas.microsoft.com/office/drawing/2010/main" val="0"/>
+              </a:ext>
+            </a:extLst>
+          </a:blip>
+          <a:stretch>
+            <a:fillRect/>
+          </a:stretch>
+        </p:blipFill>
+        <p:spPr>
+          <a:xfrm>
+            <a:off x="6653719" y="1680898"/>
+            <a:ext cx="5133281" cy="4619953"/>
+          </a:xfrm>
+          <a:prstGeom prst="rect">
+            <a:avLst/>
+          </a:prstGeom>
+        </p:spPr>
+      </p:pic>
     </p:spTree>
     <p:extLst>
       <p:ext uri="{BB962C8B-B14F-4D97-AF65-F5344CB8AC3E}">
@@ -7760,117 +7847,6 @@
 </file>
 
 <file path=ppt/slides/slide12.xml><?xml version="1.0" encoding="utf-8"?>
-<p:sld xmlns:a="http://schemas.openxmlformats.org/drawingml/2006/main" xmlns:r="http://schemas.openxmlformats.org/officeDocument/2006/relationships" xmlns:p="http://schemas.openxmlformats.org/presentationml/2006/main">
-  <p:cSld>
-    <p:spTree>
-      <p:nvGrpSpPr>
-        <p:cNvPr id="1" name=""/>
-        <p:cNvGrpSpPr/>
-        <p:nvPr/>
-      </p:nvGrpSpPr>
-      <p:grpSpPr>
-        <a:xfrm>
-          <a:off x="0" y="0"/>
-          <a:ext cx="0" cy="0"/>
-          <a:chOff x="0" y="0"/>
-          <a:chExt cx="0" cy="0"/>
-        </a:xfrm>
-      </p:grpSpPr>
-      <p:sp>
-        <p:nvSpPr>
-          <p:cNvPr id="2" name="Titel 1">
-            <a:extLst>
-              <a:ext uri="{FF2B5EF4-FFF2-40B4-BE49-F238E27FC236}">
-                <a16:creationId xmlns:a16="http://schemas.microsoft.com/office/drawing/2014/main" id="{7211C81D-4634-D6CD-AB9E-848EB7237D11}"/>
-              </a:ext>
-            </a:extLst>
-          </p:cNvPr>
-          <p:cNvSpPr>
-            <a:spLocks noGrp="1"/>
-          </p:cNvSpPr>
-          <p:nvPr>
-            <p:ph type="title"/>
-          </p:nvPr>
-        </p:nvSpPr>
-        <p:spPr/>
-        <p:txBody>
-          <a:bodyPr/>
-          <a:lstStyle/>
-          <a:p>
-            <a:r>
-              <a:rPr lang="de-DE" dirty="0"/>
-              <a:t>Quellen</a:t>
-            </a:r>
-            <a:endParaRPr lang="de-CH" dirty="0"/>
-          </a:p>
-        </p:txBody>
-      </p:sp>
-      <p:sp>
-        <p:nvSpPr>
-          <p:cNvPr id="3" name="Inhaltsplatzhalter 2">
-            <a:extLst>
-              <a:ext uri="{FF2B5EF4-FFF2-40B4-BE49-F238E27FC236}">
-                <a16:creationId xmlns:a16="http://schemas.microsoft.com/office/drawing/2014/main" id="{9B506D6E-D3A4-F1FB-804C-47B3426CA610}"/>
-              </a:ext>
-            </a:extLst>
-          </p:cNvPr>
-          <p:cNvSpPr>
-            <a:spLocks noGrp="1"/>
-          </p:cNvSpPr>
-          <p:nvPr>
-            <p:ph idx="1"/>
-          </p:nvPr>
-        </p:nvSpPr>
-        <p:spPr/>
-        <p:txBody>
-          <a:bodyPr/>
-          <a:lstStyle/>
-          <a:p>
-            <a:r>
-              <a:rPr lang="de-CH" dirty="0"/>
-              <a:t>https://hub.hslu.ch/design-film-kunst/wwwerkschau/werke/sophie-willener/</a:t>
-            </a:r>
-          </a:p>
-          <a:p>
-            <a:r>
-              <a:rPr lang="de-CH" dirty="0">
-                <a:hlinkClick r:id="rId2"/>
-              </a:rPr>
-              <a:t>https://www.flaticon.com/free-icon/design_1317626?term=construction&amp;related_id=1317626</a:t>
-            </a:r>
-            <a:endParaRPr lang="de-CH" dirty="0"/>
-          </a:p>
-          <a:p>
-            <a:r>
-              <a:rPr lang="de-CH" dirty="0">
-                <a:hlinkClick r:id="rId3"/>
-              </a:rPr>
-              <a:t>https://asset.conrad.com/media10/isa/160267/c1/-/de/002589632PI00/image.jpg?x=400&amp;y=400&amp;format=jpg&amp;ex=400&amp;ey=400&amp;align=center</a:t>
-            </a:r>
-            <a:endParaRPr lang="de-CH" dirty="0"/>
-          </a:p>
-          <a:p>
-            <a:r>
-              <a:rPr lang="de-CH" dirty="0"/>
-              <a:t>https://upload.wikimedia.org/wikipedia/commons/thumb/1/1a/Silicon_Labs_2015.svg/1200px-Silicon_Labs_2015.svg.png</a:t>
-            </a:r>
-          </a:p>
-        </p:txBody>
-      </p:sp>
-    </p:spTree>
-    <p:extLst>
-      <p:ext uri="{BB962C8B-B14F-4D97-AF65-F5344CB8AC3E}">
-        <p14:creationId xmlns:p14="http://schemas.microsoft.com/office/powerpoint/2010/main" val="2557689025"/>
-      </p:ext>
-    </p:extLst>
-  </p:cSld>
-  <p:clrMapOvr>
-    <a:masterClrMapping/>
-  </p:clrMapOvr>
-</p:sld>
-</file>
-
-<file path=ppt/slides/slide2.xml><?xml version="1.0" encoding="utf-8"?>
 <p:sld xmlns:a="http://schemas.openxmlformats.org/drawingml/2006/main" xmlns:r="http://schemas.openxmlformats.org/officeDocument/2006/relationships" xmlns:p="http://schemas.openxmlformats.org/presentationml/2006/main">
   <p:cSld>
     <p:bg>
@@ -7897,10 +7873,10 @@
       </p:grpSpPr>
       <p:sp>
         <p:nvSpPr>
-          <p:cNvPr id="16" name="Rectangle 13">
-            <a:extLst>
-              <a:ext uri="{FF2B5EF4-FFF2-40B4-BE49-F238E27FC236}">
-                <a16:creationId xmlns:a16="http://schemas.microsoft.com/office/drawing/2014/main" id="{353CF00F-82D0-0DBA-75D5-1D01B4526C68}"/>
+          <p:cNvPr id="11" name="Rectangle 10">
+            <a:extLst>
+              <a:ext uri="{FF2B5EF4-FFF2-40B4-BE49-F238E27FC236}">
+                <a16:creationId xmlns:a16="http://schemas.microsoft.com/office/drawing/2014/main" id="{0EECA69B-4C2A-7F31-8019-E90DB3BD49CB}"/>
               </a:ext>
               <a:ext uri="{C183D7F6-B498-43B3-948B-1728B52AA6E4}">
                 <adec:decorative xmlns:adec="http://schemas.microsoft.com/office/drawing/2017/decorative" val="1"/>
@@ -7974,6 +7950,393 @@
           </a:p>
         </p:txBody>
       </p:sp>
+      <p:pic>
+        <p:nvPicPr>
+          <p:cNvPr id="7" name="Picture 6">
+            <a:extLst>
+              <a:ext uri="{FF2B5EF4-FFF2-40B4-BE49-F238E27FC236}">
+                <a16:creationId xmlns:a16="http://schemas.microsoft.com/office/drawing/2014/main" id="{BC6C8555-0C58-720D-DD87-2EB490AFD77F}"/>
+              </a:ext>
+            </a:extLst>
+          </p:cNvPr>
+          <p:cNvPicPr>
+            <a:picLocks noChangeAspect="1"/>
+          </p:cNvPicPr>
+          <p:nvPr/>
+        </p:nvPicPr>
+        <p:blipFill rotWithShape="1">
+          <a:blip r:embed="rId2"/>
+          <a:srcRect t="18773"/>
+          <a:stretch/>
+        </p:blipFill>
+        <p:spPr>
+          <a:xfrm>
+            <a:off x="20" y="10"/>
+            <a:ext cx="12191980" cy="6857990"/>
+          </a:xfrm>
+          <a:prstGeom prst="rect">
+            <a:avLst/>
+          </a:prstGeom>
+        </p:spPr>
+      </p:pic>
+      <p:sp>
+        <p:nvSpPr>
+          <p:cNvPr id="13" name="Rectangle 12">
+            <a:extLst>
+              <a:ext uri="{FF2B5EF4-FFF2-40B4-BE49-F238E27FC236}">
+                <a16:creationId xmlns:a16="http://schemas.microsoft.com/office/drawing/2014/main" id="{CABB2D53-C128-F87A-33DB-ADDA783A5240}"/>
+              </a:ext>
+              <a:ext uri="{C183D7F6-B498-43B3-948B-1728B52AA6E4}">
+                <adec:decorative xmlns:adec="http://schemas.microsoft.com/office/drawing/2017/decorative" val="1"/>
+              </a:ext>
+            </a:extLst>
+          </p:cNvPr>
+          <p:cNvSpPr>
+            <a:spLocks noGrp="1" noRot="1" noChangeAspect="1" noMove="1" noResize="1" noEditPoints="1" noAdjustHandles="1" noChangeArrowheads="1" noChangeShapeType="1" noTextEdit="1"/>
+          </p:cNvSpPr>
+          <p:nvPr>
+            <p:extLst>
+              <p:ext uri="{386F3935-93C4-4BCD-93E2-E3B085C9AB24}">
+                <p16:designElem xmlns:p16="http://schemas.microsoft.com/office/powerpoint/2015/main" val="1"/>
+              </p:ext>
+            </p:extLst>
+          </p:nvPr>
+        </p:nvSpPr>
+        <p:spPr>
+          <a:xfrm>
+            <a:off x="1" y="4908385"/>
+            <a:ext cx="12191999" cy="1949616"/>
+          </a:xfrm>
+          <a:prstGeom prst="rect">
+            <a:avLst/>
+          </a:prstGeom>
+          <a:solidFill>
+            <a:schemeClr val="bg1">
+              <a:alpha val="60000"/>
+            </a:schemeClr>
+          </a:solidFill>
+          <a:ln>
+            <a:noFill/>
+          </a:ln>
+        </p:spPr>
+        <p:style>
+          <a:lnRef idx="2">
+            <a:schemeClr val="accent1">
+              <a:shade val="50000"/>
+            </a:schemeClr>
+          </a:lnRef>
+          <a:fillRef idx="1">
+            <a:schemeClr val="accent1"/>
+          </a:fillRef>
+          <a:effectRef idx="0">
+            <a:schemeClr val="accent1"/>
+          </a:effectRef>
+          <a:fontRef idx="minor">
+            <a:schemeClr val="lt1"/>
+          </a:fontRef>
+        </p:style>
+        <p:txBody>
+          <a:bodyPr rtlCol="0" anchor="ctr"/>
+          <a:lstStyle/>
+          <a:p>
+            <a:pPr algn="ctr"/>
+            <a:endParaRPr lang="en-US"/>
+          </a:p>
+        </p:txBody>
+      </p:sp>
+      <p:sp>
+        <p:nvSpPr>
+          <p:cNvPr id="4" name="Titel 3">
+            <a:extLst>
+              <a:ext uri="{FF2B5EF4-FFF2-40B4-BE49-F238E27FC236}">
+                <a16:creationId xmlns:a16="http://schemas.microsoft.com/office/drawing/2014/main" id="{746495C7-3E9C-7E32-CFD0-1D53BF2BA34B}"/>
+              </a:ext>
+            </a:extLst>
+          </p:cNvPr>
+          <p:cNvSpPr>
+            <a:spLocks noGrp="1"/>
+          </p:cNvSpPr>
+          <p:nvPr>
+            <p:ph type="title"/>
+          </p:nvPr>
+        </p:nvSpPr>
+        <p:spPr>
+          <a:xfrm>
+            <a:off x="0" y="5011838"/>
+            <a:ext cx="12191980" cy="1481559"/>
+          </a:xfrm>
+        </p:spPr>
+        <p:txBody>
+          <a:bodyPr vert="horz" lIns="91440" tIns="45720" rIns="91440" bIns="45720" rtlCol="0" anchor="b">
+            <a:normAutofit/>
+          </a:bodyPr>
+          <a:lstStyle/>
+          <a:p>
+            <a:pPr algn="ctr"/>
+            <a:r>
+              <a:rPr lang="de-CH" sz="4000" dirty="0"/>
+              <a:t>Vielen</a:t>
+            </a:r>
+            <a:r>
+              <a:rPr lang="en-US" sz="4000" dirty="0"/>
+              <a:t> Dank für </a:t>
+            </a:r>
+            <a:r>
+              <a:rPr lang="en-US" sz="4000" dirty="0" err="1"/>
+              <a:t>ihre</a:t>
+            </a:r>
+            <a:r>
+              <a:rPr lang="en-US" sz="4000" dirty="0"/>
+              <a:t> </a:t>
+            </a:r>
+            <a:br>
+              <a:rPr lang="en-US" sz="4000" dirty="0"/>
+            </a:br>
+            <a:r>
+              <a:rPr lang="de-CH" sz="4000" dirty="0" err="1"/>
+              <a:t>aufmerksamkeit</a:t>
+            </a:r>
+            <a:endParaRPr lang="de-CH" sz="4000" dirty="0"/>
+          </a:p>
+        </p:txBody>
+      </p:sp>
+    </p:spTree>
+    <p:extLst>
+      <p:ext uri="{BB962C8B-B14F-4D97-AF65-F5344CB8AC3E}">
+        <p14:creationId xmlns:p14="http://schemas.microsoft.com/office/powerpoint/2010/main" val="423614508"/>
+      </p:ext>
+    </p:extLst>
+  </p:cSld>
+  <p:clrMapOvr>
+    <a:overrideClrMapping bg1="dk1" tx1="lt1" bg2="dk2" tx2="lt2" accent1="accent1" accent2="accent2" accent3="accent3" accent4="accent4" accent5="accent5" accent6="accent6" hlink="hlink" folHlink="folHlink"/>
+  </p:clrMapOvr>
+</p:sld>
+</file>
+
+<file path=ppt/slides/slide13.xml><?xml version="1.0" encoding="utf-8"?>
+<p:sld xmlns:a="http://schemas.openxmlformats.org/drawingml/2006/main" xmlns:r="http://schemas.openxmlformats.org/officeDocument/2006/relationships" xmlns:p="http://schemas.openxmlformats.org/presentationml/2006/main">
+  <p:cSld>
+    <p:spTree>
+      <p:nvGrpSpPr>
+        <p:cNvPr id="1" name=""/>
+        <p:cNvGrpSpPr/>
+        <p:nvPr/>
+      </p:nvGrpSpPr>
+      <p:grpSpPr>
+        <a:xfrm>
+          <a:off x="0" y="0"/>
+          <a:ext cx="0" cy="0"/>
+          <a:chOff x="0" y="0"/>
+          <a:chExt cx="0" cy="0"/>
+        </a:xfrm>
+      </p:grpSpPr>
+      <p:sp>
+        <p:nvSpPr>
+          <p:cNvPr id="2" name="Titel 1">
+            <a:extLst>
+              <a:ext uri="{FF2B5EF4-FFF2-40B4-BE49-F238E27FC236}">
+                <a16:creationId xmlns:a16="http://schemas.microsoft.com/office/drawing/2014/main" id="{7211C81D-4634-D6CD-AB9E-848EB7237D11}"/>
+              </a:ext>
+            </a:extLst>
+          </p:cNvPr>
+          <p:cNvSpPr>
+            <a:spLocks noGrp="1"/>
+          </p:cNvSpPr>
+          <p:nvPr>
+            <p:ph type="title"/>
+          </p:nvPr>
+        </p:nvSpPr>
+        <p:spPr/>
+        <p:txBody>
+          <a:bodyPr/>
+          <a:lstStyle/>
+          <a:p>
+            <a:r>
+              <a:rPr lang="de-DE" dirty="0"/>
+              <a:t>Quellen</a:t>
+            </a:r>
+            <a:endParaRPr lang="de-CH" dirty="0"/>
+          </a:p>
+        </p:txBody>
+      </p:sp>
+      <p:sp>
+        <p:nvSpPr>
+          <p:cNvPr id="3" name="Inhaltsplatzhalter 2">
+            <a:extLst>
+              <a:ext uri="{FF2B5EF4-FFF2-40B4-BE49-F238E27FC236}">
+                <a16:creationId xmlns:a16="http://schemas.microsoft.com/office/drawing/2014/main" id="{9B506D6E-D3A4-F1FB-804C-47B3426CA610}"/>
+              </a:ext>
+            </a:extLst>
+          </p:cNvPr>
+          <p:cNvSpPr>
+            <a:spLocks noGrp="1"/>
+          </p:cNvSpPr>
+          <p:nvPr>
+            <p:ph idx="1"/>
+          </p:nvPr>
+        </p:nvSpPr>
+        <p:spPr/>
+        <p:txBody>
+          <a:bodyPr/>
+          <a:lstStyle/>
+          <a:p>
+            <a:r>
+              <a:rPr lang="de-CH" dirty="0"/>
+              <a:t>https://hub.hslu.ch/design-film-kunst/wwwerkschau/werke/sophie-willener/</a:t>
+            </a:r>
+          </a:p>
+          <a:p>
+            <a:r>
+              <a:rPr lang="de-CH" dirty="0">
+                <a:hlinkClick r:id="rId2"/>
+              </a:rPr>
+              <a:t>https://www.flaticon.com/free-icon/design_1317626?term=construction&amp;related_id=1317626</a:t>
+            </a:r>
+            <a:endParaRPr lang="de-CH" dirty="0"/>
+          </a:p>
+          <a:p>
+            <a:r>
+              <a:rPr lang="de-CH" dirty="0">
+                <a:hlinkClick r:id="rId3"/>
+              </a:rPr>
+              <a:t>https://asset.conrad.com/media10/isa/160267/c1/-/de/002589632PI00/image.jpg?x=400&amp;y=400&amp;format=jpg&amp;ex=400&amp;ey=400&amp;align=center</a:t>
+            </a:r>
+            <a:endParaRPr lang="de-CH" dirty="0"/>
+          </a:p>
+          <a:p>
+            <a:r>
+              <a:rPr lang="de-CH" dirty="0">
+                <a:hlinkClick r:id="rId4"/>
+              </a:rPr>
+              <a:t>https://upload.wikimedia.org/wikipedia/commons/thumb/1/1a/Silicon_Labs_2015.svg/1200px-Silicon_Labs_2015.svg.png</a:t>
+            </a:r>
+            <a:endParaRPr lang="de-CH" dirty="0"/>
+          </a:p>
+          <a:p>
+            <a:r>
+              <a:rPr lang="de-CH" dirty="0"/>
+              <a:t>https://en.wikipedia.org/wiki/A-weighting#/media/File:Acoustic_weighting_curves_(1).svg</a:t>
+            </a:r>
+          </a:p>
+        </p:txBody>
+      </p:sp>
+    </p:spTree>
+    <p:extLst>
+      <p:ext uri="{BB962C8B-B14F-4D97-AF65-F5344CB8AC3E}">
+        <p14:creationId xmlns:p14="http://schemas.microsoft.com/office/powerpoint/2010/main" val="2557689025"/>
+      </p:ext>
+    </p:extLst>
+  </p:cSld>
+  <p:clrMapOvr>
+    <a:masterClrMapping/>
+  </p:clrMapOvr>
+</p:sld>
+</file>
+
+<file path=ppt/slides/slide2.xml><?xml version="1.0" encoding="utf-8"?>
+<p:sld xmlns:a="http://schemas.openxmlformats.org/drawingml/2006/main" xmlns:r="http://schemas.openxmlformats.org/officeDocument/2006/relationships" xmlns:p="http://schemas.openxmlformats.org/presentationml/2006/main">
+  <p:cSld>
+    <p:bg>
+      <p:bgPr>
+        <a:solidFill>
+          <a:schemeClr val="bg1"/>
+        </a:solidFill>
+        <a:effectLst/>
+      </p:bgPr>
+    </p:bg>
+    <p:spTree>
+      <p:nvGrpSpPr>
+        <p:cNvPr id="1" name=""/>
+        <p:cNvGrpSpPr/>
+        <p:nvPr/>
+      </p:nvGrpSpPr>
+      <p:grpSpPr>
+        <a:xfrm>
+          <a:off x="0" y="0"/>
+          <a:ext cx="0" cy="0"/>
+          <a:chOff x="0" y="0"/>
+          <a:chExt cx="0" cy="0"/>
+        </a:xfrm>
+      </p:grpSpPr>
+      <p:sp>
+        <p:nvSpPr>
+          <p:cNvPr id="16" name="Rectangle 13">
+            <a:extLst>
+              <a:ext uri="{FF2B5EF4-FFF2-40B4-BE49-F238E27FC236}">
+                <a16:creationId xmlns:a16="http://schemas.microsoft.com/office/drawing/2014/main" id="{353CF00F-82D0-0DBA-75D5-1D01B4526C68}"/>
+              </a:ext>
+              <a:ext uri="{C183D7F6-B498-43B3-948B-1728B52AA6E4}">
+                <adec:decorative xmlns:adec="http://schemas.microsoft.com/office/drawing/2017/decorative" val="1"/>
+              </a:ext>
+            </a:extLst>
+          </p:cNvPr>
+          <p:cNvSpPr>
+            <a:spLocks noGrp="1" noRot="1" noChangeAspect="1" noMove="1" noResize="1" noEditPoints="1" noAdjustHandles="1" noChangeArrowheads="1" noChangeShapeType="1" noTextEdit="1"/>
+          </p:cNvSpPr>
+          <p:nvPr>
+            <p:extLst>
+              <p:ext uri="{386F3935-93C4-4BCD-93E2-E3B085C9AB24}">
+                <p16:designElem xmlns:p16="http://schemas.microsoft.com/office/powerpoint/2015/main" val="1"/>
+              </p:ext>
+            </p:extLst>
+          </p:nvPr>
+        </p:nvSpPr>
+        <p:spPr>
+          <a:xfrm>
+            <a:off x="0" y="0"/>
+            <a:ext cx="12192000" cy="6858000"/>
+          </a:xfrm>
+          <a:prstGeom prst="rect">
+            <a:avLst/>
+          </a:prstGeom>
+          <a:solidFill>
+            <a:schemeClr val="bg1"/>
+          </a:solidFill>
+          <a:ln w="12700" cap="flat" cmpd="sng" algn="ctr">
+            <a:noFill/>
+            <a:prstDash val="solid"/>
+            <a:miter lim="800000"/>
+          </a:ln>
+          <a:effectLst/>
+          <a:extLst>
+            <a:ext uri="{91240B29-F687-4F45-9708-019B960494DF}">
+              <a14:hiddenLine xmlns:a14="http://schemas.microsoft.com/office/drawing/2010/main" w="12700" cap="flat" cmpd="sng" algn="ctr">
+                <a:solidFill>
+                  <a:schemeClr val="accent1">
+                    <a:shade val="15000"/>
+                  </a:schemeClr>
+                </a:solidFill>
+                <a:prstDash val="solid"/>
+                <a:miter lim="800000"/>
+              </a14:hiddenLine>
+            </a:ext>
+          </a:extLst>
+        </p:spPr>
+        <p:style>
+          <a:lnRef idx="2">
+            <a:schemeClr val="accent1">
+              <a:shade val="15000"/>
+            </a:schemeClr>
+          </a:lnRef>
+          <a:fillRef idx="1">
+            <a:schemeClr val="accent1"/>
+          </a:fillRef>
+          <a:effectRef idx="0">
+            <a:schemeClr val="accent1"/>
+          </a:effectRef>
+          <a:fontRef idx="minor">
+            <a:schemeClr val="lt1"/>
+          </a:fontRef>
+        </p:style>
+        <p:txBody>
+          <a:bodyPr rtlCol="0" anchor="ctr"/>
+          <a:lstStyle/>
+          <a:p>
+            <a:pPr algn="ctr"/>
+            <a:endParaRPr lang="en-US" dirty="0"/>
+          </a:p>
+        </p:txBody>
+      </p:sp>
       <p:sp>
         <p:nvSpPr>
           <p:cNvPr id="2" name="Titel 1">
@@ -8003,10 +8366,10 @@
           <a:lstStyle/>
           <a:p>
             <a:r>
-              <a:rPr lang="de-DE"/>
+              <a:rPr lang="de-DE" dirty="0"/>
               <a:t>Ablauf</a:t>
             </a:r>
-            <a:endParaRPr lang="de-CH"/>
+            <a:endParaRPr lang="de-CH" dirty="0"/>
           </a:p>
         </p:txBody>
       </p:sp>
@@ -8026,7 +8389,7 @@
             <p:ph idx="1"/>
             <p:extLst>
               <p:ext uri="{D42A27DB-BD31-4B8C-83A1-F6EECF244321}">
-                <p14:modId xmlns:p14="http://schemas.microsoft.com/office/powerpoint/2010/main" val="325273066"/>
+                <p14:modId xmlns:p14="http://schemas.microsoft.com/office/powerpoint/2010/main" val="3349637034"/>
               </p:ext>
             </p:extLst>
           </p:nvPr>
@@ -8199,7 +8562,7 @@
           <a:bodyPr/>
           <a:lstStyle/>
           <a:p>
-            <a:endParaRPr lang="de-CH"/>
+            <a:endParaRPr lang="de-CH" dirty="0"/>
           </a:p>
         </p:txBody>
       </p:sp>
@@ -9931,6 +10294,12 @@
               <a:t>Stitching</a:t>
             </a:r>
             <a:endParaRPr lang="de-CH" dirty="0"/>
+          </a:p>
+          <a:p>
+            <a:r>
+              <a:rPr lang="de-CH" dirty="0"/>
+              <a:t>Tag-Connect Schnittstelle</a:t>
+            </a:r>
           </a:p>
         </p:txBody>
       </p:sp>

--- a/Dokumentation/Präsentation/BAT_Zwischenpraesentation.pptx
+++ b/Dokumentation/Präsentation/BAT_Zwischenpraesentation.pptx
@@ -3536,7 +3536,7 @@
           <a:p>
             <a:fld id="{999A8DD2-C443-44AD-85B3-4CE72B962C5F}" type="datetimeFigureOut">
               <a:rPr lang="en-US" smtClean="0"/>
-              <a:t>4/8/2024</a:t>
+              <a:t>4/14/2024</a:t>
             </a:fld>
             <a:endParaRPr lang="en-US"/>
           </a:p>
@@ -3744,7 +3744,7 @@
           <a:p>
             <a:fld id="{999A8DD2-C443-44AD-85B3-4CE72B962C5F}" type="datetimeFigureOut">
               <a:rPr lang="en-US" smtClean="0"/>
-              <a:t>4/8/2024</a:t>
+              <a:t>4/14/2024</a:t>
             </a:fld>
             <a:endParaRPr lang="en-US"/>
           </a:p>
@@ -3952,7 +3952,7 @@
           <a:p>
             <a:fld id="{999A8DD2-C443-44AD-85B3-4CE72B962C5F}" type="datetimeFigureOut">
               <a:rPr lang="en-US" smtClean="0"/>
-              <a:t>4/8/2024</a:t>
+              <a:t>4/14/2024</a:t>
             </a:fld>
             <a:endParaRPr lang="en-US"/>
           </a:p>
@@ -4150,7 +4150,7 @@
           <a:p>
             <a:fld id="{999A8DD2-C443-44AD-85B3-4CE72B962C5F}" type="datetimeFigureOut">
               <a:rPr lang="en-US" smtClean="0"/>
-              <a:t>4/8/2024</a:t>
+              <a:t>4/14/2024</a:t>
             </a:fld>
             <a:endParaRPr lang="en-US"/>
           </a:p>
@@ -4428,7 +4428,7 @@
           <a:p>
             <a:fld id="{999A8DD2-C443-44AD-85B3-4CE72B962C5F}" type="datetimeFigureOut">
               <a:rPr lang="en-US" smtClean="0"/>
-              <a:t>4/8/2024</a:t>
+              <a:t>4/14/2024</a:t>
             </a:fld>
             <a:endParaRPr lang="en-US"/>
           </a:p>
@@ -4700,7 +4700,7 @@
           <a:p>
             <a:fld id="{999A8DD2-C443-44AD-85B3-4CE72B962C5F}" type="datetimeFigureOut">
               <a:rPr lang="en-US" smtClean="0"/>
-              <a:t>4/8/2024</a:t>
+              <a:t>4/14/2024</a:t>
             </a:fld>
             <a:endParaRPr lang="en-US"/>
           </a:p>
@@ -5124,7 +5124,7 @@
           <a:p>
             <a:fld id="{999A8DD2-C443-44AD-85B3-4CE72B962C5F}" type="datetimeFigureOut">
               <a:rPr lang="en-US" smtClean="0"/>
-              <a:t>4/8/2024</a:t>
+              <a:t>4/14/2024</a:t>
             </a:fld>
             <a:endParaRPr lang="en-US"/>
           </a:p>
@@ -5265,7 +5265,7 @@
           <a:p>
             <a:fld id="{999A8DD2-C443-44AD-85B3-4CE72B962C5F}" type="datetimeFigureOut">
               <a:rPr lang="en-US" smtClean="0"/>
-              <a:t>4/8/2024</a:t>
+              <a:t>4/14/2024</a:t>
             </a:fld>
             <a:endParaRPr lang="en-US"/>
           </a:p>
@@ -5378,7 +5378,7 @@
           <a:p>
             <a:fld id="{999A8DD2-C443-44AD-85B3-4CE72B962C5F}" type="datetimeFigureOut">
               <a:rPr lang="en-US" smtClean="0"/>
-              <a:t>4/8/2024</a:t>
+              <a:t>4/14/2024</a:t>
             </a:fld>
             <a:endParaRPr lang="en-US"/>
           </a:p>
@@ -5697,7 +5697,7 @@
           <a:p>
             <a:fld id="{999A8DD2-C443-44AD-85B3-4CE72B962C5F}" type="datetimeFigureOut">
               <a:rPr lang="en-US" smtClean="0"/>
-              <a:t>4/8/2024</a:t>
+              <a:t>4/14/2024</a:t>
             </a:fld>
             <a:endParaRPr lang="en-US"/>
           </a:p>
@@ -5991,7 +5991,7 @@
           <a:p>
             <a:fld id="{999A8DD2-C443-44AD-85B3-4CE72B962C5F}" type="datetimeFigureOut">
               <a:rPr lang="en-US" smtClean="0"/>
-              <a:t>4/8/2024</a:t>
+              <a:t>4/14/2024</a:t>
             </a:fld>
             <a:endParaRPr lang="en-US"/>
           </a:p>
@@ -6231,7 +6231,7 @@
           <a:p>
             <a:fld id="{999A8DD2-C443-44AD-85B3-4CE72B962C5F}" type="datetimeFigureOut">
               <a:rPr lang="en-US" smtClean="0"/>
-              <a:t>4/8/2024</a:t>
+              <a:t>4/14/2024</a:t>
             </a:fld>
             <a:endParaRPr lang="en-US"/>
           </a:p>
@@ -8487,13 +8487,13 @@
               </a:ext>
             </a:extLst>
           </a:blip>
-          <a:srcRect l="10720" t="38063" r="35489" b="12162"/>
+          <a:srcRect l="10720" t="38063" r="41020" b="12162"/>
           <a:stretch/>
         </p:blipFill>
         <p:spPr>
           <a:xfrm>
             <a:off x="8534400" y="1485902"/>
-            <a:ext cx="3044952" cy="4229100"/>
+            <a:ext cx="2731826" cy="4229100"/>
           </a:xfrm>
           <a:prstGeom prst="ellipse">
             <a:avLst/>
@@ -9234,6 +9234,36 @@
           </a:p>
         </p:txBody>
       </p:sp>
+      <p:pic>
+        <p:nvPicPr>
+          <p:cNvPr id="6" name="Grafik 5">
+            <a:extLst>
+              <a:ext uri="{FF2B5EF4-FFF2-40B4-BE49-F238E27FC236}">
+                <a16:creationId xmlns:a16="http://schemas.microsoft.com/office/drawing/2014/main" id="{C07D3D33-24EC-759E-4FFF-60E680368C35}"/>
+              </a:ext>
+            </a:extLst>
+          </p:cNvPr>
+          <p:cNvPicPr>
+            <a:picLocks noChangeAspect="1"/>
+          </p:cNvPicPr>
+          <p:nvPr/>
+        </p:nvPicPr>
+        <p:blipFill>
+          <a:blip r:embed="rId4"/>
+          <a:stretch>
+            <a:fillRect/>
+          </a:stretch>
+        </p:blipFill>
+        <p:spPr>
+          <a:xfrm>
+            <a:off x="5447360" y="1715532"/>
+            <a:ext cx="6339640" cy="4358879"/>
+          </a:xfrm>
+          <a:prstGeom prst="rect">
+            <a:avLst/>
+          </a:prstGeom>
+        </p:spPr>
+      </p:pic>
     </p:spTree>
     <p:extLst>
       <p:ext uri="{BB962C8B-B14F-4D97-AF65-F5344CB8AC3E}">
@@ -9658,7 +9688,7 @@
       </p:sp>
       <p:pic>
         <p:nvPicPr>
-          <p:cNvPr id="6" name="Inhaltsplatzhalter 5" descr="Ein Bild, das Text, Screenshot, Schrift, Design enthält.&#10;&#10;Automatisch generierte Beschreibung">
+          <p:cNvPr id="6" name="Inhaltsplatzhalter 5">
             <a:extLst>
               <a:ext uri="{FF2B5EF4-FFF2-40B4-BE49-F238E27FC236}">
                 <a16:creationId xmlns:a16="http://schemas.microsoft.com/office/drawing/2014/main" id="{A63A1F95-8652-9154-C4B1-485560096680}"/>
@@ -9680,9 +9710,8 @@
               </a:ext>
             </a:extLst>
           </a:blip>
-          <a:stretch>
-            <a:fillRect/>
-          </a:stretch>
+          <a:srcRect/>
+          <a:stretch/>
         </p:blipFill>
         <p:spPr>
           <a:xfrm>

--- a/Dokumentation/Präsentation/BAT_Zwischenpraesentation.pptx
+++ b/Dokumentation/Präsentation/BAT_Zwischenpraesentation.pptx
@@ -15,9 +15,10 @@
     <p:sldId id="264" r:id="rId9"/>
     <p:sldId id="268" r:id="rId10"/>
     <p:sldId id="267" r:id="rId11"/>
-    <p:sldId id="265" r:id="rId12"/>
-    <p:sldId id="269" r:id="rId13"/>
-    <p:sldId id="259" r:id="rId14"/>
+    <p:sldId id="270" r:id="rId12"/>
+    <p:sldId id="265" r:id="rId13"/>
+    <p:sldId id="269" r:id="rId14"/>
+    <p:sldId id="259" r:id="rId15"/>
   </p:sldIdLst>
   <p:sldSz cx="12192000" cy="6858000"/>
   <p:notesSz cx="6858000" cy="9144000"/>
@@ -3536,7 +3537,7 @@
           <a:p>
             <a:fld id="{999A8DD2-C443-44AD-85B3-4CE72B962C5F}" type="datetimeFigureOut">
               <a:rPr lang="en-US" smtClean="0"/>
-              <a:t>4/14/2024</a:t>
+              <a:t>4/15/2024</a:t>
             </a:fld>
             <a:endParaRPr lang="en-US"/>
           </a:p>
@@ -3744,7 +3745,7 @@
           <a:p>
             <a:fld id="{999A8DD2-C443-44AD-85B3-4CE72B962C5F}" type="datetimeFigureOut">
               <a:rPr lang="en-US" smtClean="0"/>
-              <a:t>4/14/2024</a:t>
+              <a:t>4/15/2024</a:t>
             </a:fld>
             <a:endParaRPr lang="en-US"/>
           </a:p>
@@ -3952,7 +3953,7 @@
           <a:p>
             <a:fld id="{999A8DD2-C443-44AD-85B3-4CE72B962C5F}" type="datetimeFigureOut">
               <a:rPr lang="en-US" smtClean="0"/>
-              <a:t>4/14/2024</a:t>
+              <a:t>4/15/2024</a:t>
             </a:fld>
             <a:endParaRPr lang="en-US"/>
           </a:p>
@@ -4150,7 +4151,7 @@
           <a:p>
             <a:fld id="{999A8DD2-C443-44AD-85B3-4CE72B962C5F}" type="datetimeFigureOut">
               <a:rPr lang="en-US" smtClean="0"/>
-              <a:t>4/14/2024</a:t>
+              <a:t>4/15/2024</a:t>
             </a:fld>
             <a:endParaRPr lang="en-US"/>
           </a:p>
@@ -4428,7 +4429,7 @@
           <a:p>
             <a:fld id="{999A8DD2-C443-44AD-85B3-4CE72B962C5F}" type="datetimeFigureOut">
               <a:rPr lang="en-US" smtClean="0"/>
-              <a:t>4/14/2024</a:t>
+              <a:t>4/15/2024</a:t>
             </a:fld>
             <a:endParaRPr lang="en-US"/>
           </a:p>
@@ -4700,7 +4701,7 @@
           <a:p>
             <a:fld id="{999A8DD2-C443-44AD-85B3-4CE72B962C5F}" type="datetimeFigureOut">
               <a:rPr lang="en-US" smtClean="0"/>
-              <a:t>4/14/2024</a:t>
+              <a:t>4/15/2024</a:t>
             </a:fld>
             <a:endParaRPr lang="en-US"/>
           </a:p>
@@ -5124,7 +5125,7 @@
           <a:p>
             <a:fld id="{999A8DD2-C443-44AD-85B3-4CE72B962C5F}" type="datetimeFigureOut">
               <a:rPr lang="en-US" smtClean="0"/>
-              <a:t>4/14/2024</a:t>
+              <a:t>4/15/2024</a:t>
             </a:fld>
             <a:endParaRPr lang="en-US"/>
           </a:p>
@@ -5265,7 +5266,7 @@
           <a:p>
             <a:fld id="{999A8DD2-C443-44AD-85B3-4CE72B962C5F}" type="datetimeFigureOut">
               <a:rPr lang="en-US" smtClean="0"/>
-              <a:t>4/14/2024</a:t>
+              <a:t>4/15/2024</a:t>
             </a:fld>
             <a:endParaRPr lang="en-US"/>
           </a:p>
@@ -5378,7 +5379,7 @@
           <a:p>
             <a:fld id="{999A8DD2-C443-44AD-85B3-4CE72B962C5F}" type="datetimeFigureOut">
               <a:rPr lang="en-US" smtClean="0"/>
-              <a:t>4/14/2024</a:t>
+              <a:t>4/15/2024</a:t>
             </a:fld>
             <a:endParaRPr lang="en-US"/>
           </a:p>
@@ -5697,7 +5698,7 @@
           <a:p>
             <a:fld id="{999A8DD2-C443-44AD-85B3-4CE72B962C5F}" type="datetimeFigureOut">
               <a:rPr lang="en-US" smtClean="0"/>
-              <a:t>4/14/2024</a:t>
+              <a:t>4/15/2024</a:t>
             </a:fld>
             <a:endParaRPr lang="en-US"/>
           </a:p>
@@ -5991,7 +5992,7 @@
           <a:p>
             <a:fld id="{999A8DD2-C443-44AD-85B3-4CE72B962C5F}" type="datetimeFigureOut">
               <a:rPr lang="en-US" smtClean="0"/>
-              <a:t>4/14/2024</a:t>
+              <a:t>4/15/2024</a:t>
             </a:fld>
             <a:endParaRPr lang="en-US"/>
           </a:p>
@@ -6231,7 +6232,7 @@
           <a:p>
             <a:fld id="{999A8DD2-C443-44AD-85B3-4CE72B962C5F}" type="datetimeFigureOut">
               <a:rPr lang="en-US" smtClean="0"/>
-              <a:t>4/14/2024</a:t>
+              <a:t>4/15/2024</a:t>
             </a:fld>
             <a:endParaRPr lang="en-US"/>
           </a:p>
@@ -7184,7 +7185,7 @@
         </p:blipFill>
         <p:spPr>
           <a:xfrm>
-            <a:off x="612648" y="1605099"/>
+            <a:off x="6890454" y="1596850"/>
             <a:ext cx="4356865" cy="4395600"/>
           </a:xfrm>
           <a:prstGeom prst="ellipse">
@@ -7389,7 +7390,7 @@
             </a:pPr>
             <a:r>
               <a:rPr lang="de-DE" b="1" dirty="0"/>
-              <a:t>Front</a:t>
+              <a:t>V1-1</a:t>
             </a:r>
             <a:endParaRPr lang="de-CH" b="1" dirty="0"/>
           </a:p>
@@ -7592,9 +7593,204 @@
             </a:pPr>
             <a:r>
               <a:rPr lang="de-DE" b="1" dirty="0"/>
-              <a:t>Back</a:t>
+              <a:t>V1-2</a:t>
             </a:r>
             <a:endParaRPr lang="de-CH" b="1" dirty="0"/>
+          </a:p>
+        </p:txBody>
+      </p:sp>
+      <p:pic>
+        <p:nvPicPr>
+          <p:cNvPr id="4" name="Grafik 3">
+            <a:extLst>
+              <a:ext uri="{FF2B5EF4-FFF2-40B4-BE49-F238E27FC236}">
+                <a16:creationId xmlns:a16="http://schemas.microsoft.com/office/drawing/2014/main" id="{D36EF9D1-181E-A1A3-3217-E3978B247EFB}"/>
+              </a:ext>
+            </a:extLst>
+          </p:cNvPr>
+          <p:cNvPicPr>
+            <a:picLocks noChangeAspect="1"/>
+          </p:cNvPicPr>
+          <p:nvPr/>
+        </p:nvPicPr>
+        <p:blipFill>
+          <a:blip r:embed="rId5">
+            <a:extLst>
+              <a:ext uri="{28A0092B-C50C-407E-A947-70E740481C1C}">
+                <a14:useLocalDpi xmlns:a14="http://schemas.microsoft.com/office/drawing/2010/main" val="0"/>
+              </a:ext>
+              <a:ext uri="{96DAC541-7B7A-43D3-8B79-37D633B846F1}">
+                <asvg:svgBlip xmlns:asvg="http://schemas.microsoft.com/office/drawing/2016/SVG/main" r:embed="rId6"/>
+              </a:ext>
+            </a:extLst>
+          </a:blip>
+          <a:stretch>
+            <a:fillRect/>
+          </a:stretch>
+        </p:blipFill>
+        <p:spPr>
+          <a:xfrm>
+            <a:off x="703747" y="1596850"/>
+            <a:ext cx="4353550" cy="4353550"/>
+          </a:xfrm>
+          <a:prstGeom prst="rect">
+            <a:avLst/>
+          </a:prstGeom>
+        </p:spPr>
+      </p:pic>
+      <p:sp>
+        <p:nvSpPr>
+          <p:cNvPr id="8" name="Ellipse 7">
+            <a:extLst>
+              <a:ext uri="{FF2B5EF4-FFF2-40B4-BE49-F238E27FC236}">
+                <a16:creationId xmlns:a16="http://schemas.microsoft.com/office/drawing/2014/main" id="{B4B4AF72-A27E-F17A-7221-B4DFA947DC99}"/>
+              </a:ext>
+            </a:extLst>
+          </p:cNvPr>
+          <p:cNvSpPr/>
+          <p:nvPr/>
+        </p:nvSpPr>
+        <p:spPr>
+          <a:xfrm>
+            <a:off x="2663859" y="5047472"/>
+            <a:ext cx="433325" cy="427355"/>
+          </a:xfrm>
+          <a:prstGeom prst="ellipse">
+            <a:avLst/>
+          </a:prstGeom>
+          <a:noFill/>
+          <a:ln w="38100">
+            <a:solidFill>
+              <a:srgbClr val="FF0000"/>
+            </a:solidFill>
+          </a:ln>
+        </p:spPr>
+        <p:style>
+          <a:lnRef idx="2">
+            <a:schemeClr val="accent1">
+              <a:shade val="15000"/>
+            </a:schemeClr>
+          </a:lnRef>
+          <a:fillRef idx="1">
+            <a:schemeClr val="accent1"/>
+          </a:fillRef>
+          <a:effectRef idx="0">
+            <a:schemeClr val="accent1"/>
+          </a:effectRef>
+          <a:fontRef idx="minor">
+            <a:schemeClr val="lt1"/>
+          </a:fontRef>
+        </p:style>
+        <p:txBody>
+          <a:bodyPr rtlCol="0" anchor="ctr"/>
+          <a:lstStyle/>
+          <a:p>
+            <a:pPr algn="ctr"/>
+            <a:endParaRPr lang="de-CH"/>
+          </a:p>
+        </p:txBody>
+      </p:sp>
+      <p:sp>
+        <p:nvSpPr>
+          <p:cNvPr id="11" name="Ellipse 10">
+            <a:extLst>
+              <a:ext uri="{FF2B5EF4-FFF2-40B4-BE49-F238E27FC236}">
+                <a16:creationId xmlns:a16="http://schemas.microsoft.com/office/drawing/2014/main" id="{5F9D85CA-C908-F828-D957-71F79E8B6F88}"/>
+              </a:ext>
+            </a:extLst>
+          </p:cNvPr>
+          <p:cNvSpPr/>
+          <p:nvPr/>
+        </p:nvSpPr>
+        <p:spPr>
+          <a:xfrm>
+            <a:off x="8635588" y="1418594"/>
+            <a:ext cx="885484" cy="711863"/>
+          </a:xfrm>
+          <a:prstGeom prst="ellipse">
+            <a:avLst/>
+          </a:prstGeom>
+          <a:noFill/>
+          <a:ln w="38100">
+            <a:solidFill>
+              <a:srgbClr val="FF0000"/>
+            </a:solidFill>
+          </a:ln>
+        </p:spPr>
+        <p:style>
+          <a:lnRef idx="2">
+            <a:schemeClr val="accent1">
+              <a:shade val="15000"/>
+            </a:schemeClr>
+          </a:lnRef>
+          <a:fillRef idx="1">
+            <a:schemeClr val="accent1"/>
+          </a:fillRef>
+          <a:effectRef idx="0">
+            <a:schemeClr val="accent1"/>
+          </a:effectRef>
+          <a:fontRef idx="minor">
+            <a:schemeClr val="lt1"/>
+          </a:fontRef>
+        </p:style>
+        <p:txBody>
+          <a:bodyPr rtlCol="0" anchor="ctr"/>
+          <a:lstStyle/>
+          <a:p>
+            <a:pPr algn="ctr"/>
+            <a:endParaRPr lang="de-CH"/>
+          </a:p>
+        </p:txBody>
+      </p:sp>
+      <p:sp>
+        <p:nvSpPr>
+          <p:cNvPr id="12" name="Ellipse 11">
+            <a:extLst>
+              <a:ext uri="{FF2B5EF4-FFF2-40B4-BE49-F238E27FC236}">
+                <a16:creationId xmlns:a16="http://schemas.microsoft.com/office/drawing/2014/main" id="{B3236AAF-11CD-F6CE-FD85-F29DD631E349}"/>
+              </a:ext>
+            </a:extLst>
+          </p:cNvPr>
+          <p:cNvSpPr/>
+          <p:nvPr/>
+        </p:nvSpPr>
+        <p:spPr>
+          <a:xfrm>
+            <a:off x="8486331" y="5231877"/>
+            <a:ext cx="1157290" cy="842362"/>
+          </a:xfrm>
+          <a:prstGeom prst="ellipse">
+            <a:avLst/>
+          </a:prstGeom>
+          <a:noFill/>
+          <a:ln w="38100">
+            <a:solidFill>
+              <a:srgbClr val="FF0000"/>
+            </a:solidFill>
+          </a:ln>
+        </p:spPr>
+        <p:style>
+          <a:lnRef idx="2">
+            <a:schemeClr val="accent1">
+              <a:shade val="15000"/>
+            </a:schemeClr>
+          </a:lnRef>
+          <a:fillRef idx="1">
+            <a:schemeClr val="accent1"/>
+          </a:fillRef>
+          <a:effectRef idx="0">
+            <a:schemeClr val="accent1"/>
+          </a:effectRef>
+          <a:fontRef idx="minor">
+            <a:schemeClr val="lt1"/>
+          </a:fontRef>
+        </p:style>
+        <p:txBody>
+          <a:bodyPr rtlCol="0" anchor="ctr"/>
+          <a:lstStyle/>
+          <a:p>
+            <a:pPr algn="ctr"/>
+            <a:endParaRPr lang="de-CH"/>
           </a:p>
         </p:txBody>
       </p:sp>
@@ -7612,6 +7808,296 @@
 </file>
 
 <file path=ppt/slides/slide11.xml><?xml version="1.0" encoding="utf-8"?>
+<p:sld xmlns:a="http://schemas.openxmlformats.org/drawingml/2006/main" xmlns:r="http://schemas.openxmlformats.org/officeDocument/2006/relationships" xmlns:p="http://schemas.openxmlformats.org/presentationml/2006/main">
+  <p:cSld>
+    <p:spTree>
+      <p:nvGrpSpPr>
+        <p:cNvPr id="1" name=""/>
+        <p:cNvGrpSpPr/>
+        <p:nvPr/>
+      </p:nvGrpSpPr>
+      <p:grpSpPr>
+        <a:xfrm>
+          <a:off x="0" y="0"/>
+          <a:ext cx="0" cy="0"/>
+          <a:chOff x="0" y="0"/>
+          <a:chExt cx="0" cy="0"/>
+        </a:xfrm>
+      </p:grpSpPr>
+      <p:sp>
+        <p:nvSpPr>
+          <p:cNvPr id="2" name="Titel 1">
+            <a:extLst>
+              <a:ext uri="{FF2B5EF4-FFF2-40B4-BE49-F238E27FC236}">
+                <a16:creationId xmlns:a16="http://schemas.microsoft.com/office/drawing/2014/main" id="{708DF686-A652-F15B-0AAC-1DE576C8BCB3}"/>
+              </a:ext>
+            </a:extLst>
+          </p:cNvPr>
+          <p:cNvSpPr>
+            <a:spLocks noGrp="1"/>
+          </p:cNvSpPr>
+          <p:nvPr>
+            <p:ph type="title"/>
+          </p:nvPr>
+        </p:nvSpPr>
+        <p:spPr/>
+        <p:txBody>
+          <a:bodyPr/>
+          <a:lstStyle/>
+          <a:p>
+            <a:r>
+              <a:rPr lang="de-DE" dirty="0"/>
+              <a:t>Stand – Hardware</a:t>
+            </a:r>
+            <a:br>
+              <a:rPr lang="de-DE" dirty="0"/>
+            </a:br>
+            <a:r>
+              <a:rPr lang="de-DE" sz="2400" dirty="0"/>
+              <a:t>Nebenprojekte</a:t>
+            </a:r>
+            <a:endParaRPr lang="de-CH" sz="2400" dirty="0"/>
+          </a:p>
+        </p:txBody>
+      </p:sp>
+      <p:pic>
+        <p:nvPicPr>
+          <p:cNvPr id="5" name="Inhaltsplatzhalter 4">
+            <a:extLst>
+              <a:ext uri="{FF2B5EF4-FFF2-40B4-BE49-F238E27FC236}">
+                <a16:creationId xmlns:a16="http://schemas.microsoft.com/office/drawing/2014/main" id="{00981458-1891-5AFF-A990-0F9A784AC975}"/>
+              </a:ext>
+            </a:extLst>
+          </p:cNvPr>
+          <p:cNvPicPr>
+            <a:picLocks noGrp="1" noChangeAspect="1"/>
+          </p:cNvPicPr>
+          <p:nvPr>
+            <p:ph idx="1"/>
+          </p:nvPr>
+        </p:nvPicPr>
+        <p:blipFill>
+          <a:blip r:embed="rId2">
+            <a:extLst>
+              <a:ext uri="{28A0092B-C50C-407E-A947-70E740481C1C}">
+                <a14:useLocalDpi xmlns:a14="http://schemas.microsoft.com/office/drawing/2010/main" val="0"/>
+              </a:ext>
+              <a:ext uri="{96DAC541-7B7A-43D3-8B79-37D633B846F1}">
+                <asvg:svgBlip xmlns:asvg="http://schemas.microsoft.com/office/drawing/2016/SVG/main" r:embed="rId3"/>
+              </a:ext>
+            </a:extLst>
+          </a:blip>
+          <a:stretch>
+            <a:fillRect/>
+          </a:stretch>
+        </p:blipFill>
+        <p:spPr>
+          <a:xfrm>
+            <a:off x="612648" y="2444353"/>
+            <a:ext cx="7363443" cy="1969293"/>
+          </a:xfrm>
+        </p:spPr>
+      </p:pic>
+      <p:pic>
+        <p:nvPicPr>
+          <p:cNvPr id="7" name="Grafik 6">
+            <a:extLst>
+              <a:ext uri="{FF2B5EF4-FFF2-40B4-BE49-F238E27FC236}">
+                <a16:creationId xmlns:a16="http://schemas.microsoft.com/office/drawing/2014/main" id="{DE982E85-98B9-F324-D35F-6F4C5D03B3CC}"/>
+              </a:ext>
+            </a:extLst>
+          </p:cNvPr>
+          <p:cNvPicPr>
+            <a:picLocks noChangeAspect="1"/>
+          </p:cNvPicPr>
+          <p:nvPr/>
+        </p:nvPicPr>
+        <p:blipFill>
+          <a:blip r:embed="rId4">
+            <a:extLst>
+              <a:ext uri="{28A0092B-C50C-407E-A947-70E740481C1C}">
+                <a14:useLocalDpi xmlns:a14="http://schemas.microsoft.com/office/drawing/2010/main" val="0"/>
+              </a:ext>
+              <a:ext uri="{96DAC541-7B7A-43D3-8B79-37D633B846F1}">
+                <asvg:svgBlip xmlns:asvg="http://schemas.microsoft.com/office/drawing/2016/SVG/main" r:embed="rId5"/>
+              </a:ext>
+            </a:extLst>
+          </a:blip>
+          <a:stretch>
+            <a:fillRect/>
+          </a:stretch>
+        </p:blipFill>
+        <p:spPr>
+          <a:xfrm>
+            <a:off x="8091867" y="2444353"/>
+            <a:ext cx="3174359" cy="3692622"/>
+          </a:xfrm>
+          <a:prstGeom prst="rect">
+            <a:avLst/>
+          </a:prstGeom>
+        </p:spPr>
+      </p:pic>
+      <p:sp>
+        <p:nvSpPr>
+          <p:cNvPr id="8" name="Textfeld 7">
+            <a:extLst>
+              <a:ext uri="{FF2B5EF4-FFF2-40B4-BE49-F238E27FC236}">
+                <a16:creationId xmlns:a16="http://schemas.microsoft.com/office/drawing/2014/main" id="{9B8FC0CB-BBA0-6F52-96AA-B318A5762D63}"/>
+              </a:ext>
+            </a:extLst>
+          </p:cNvPr>
+          <p:cNvSpPr txBox="1"/>
+          <p:nvPr/>
+        </p:nvSpPr>
+        <p:spPr>
+          <a:xfrm>
+            <a:off x="3359885" y="1883424"/>
+            <a:ext cx="2579552" cy="461665"/>
+          </a:xfrm>
+          <a:prstGeom prst="rect">
+            <a:avLst/>
+          </a:prstGeom>
+          <a:noFill/>
+        </p:spPr>
+        <p:txBody>
+          <a:bodyPr wrap="none" rtlCol="0">
+            <a:spAutoFit/>
+          </a:bodyPr>
+          <a:lstStyle/>
+          <a:p>
+            <a:r>
+              <a:rPr lang="de-DE" sz="2400" b="1" dirty="0"/>
+              <a:t>Breakout-Board</a:t>
+            </a:r>
+            <a:endParaRPr lang="de-CH" sz="2400" b="1" dirty="0"/>
+          </a:p>
+        </p:txBody>
+      </p:sp>
+      <p:sp>
+        <p:nvSpPr>
+          <p:cNvPr id="9" name="Textfeld 8">
+            <a:extLst>
+              <a:ext uri="{FF2B5EF4-FFF2-40B4-BE49-F238E27FC236}">
+                <a16:creationId xmlns:a16="http://schemas.microsoft.com/office/drawing/2014/main" id="{E782421D-46DC-80FB-55B4-406C47F0D5BC}"/>
+              </a:ext>
+            </a:extLst>
+          </p:cNvPr>
+          <p:cNvSpPr txBox="1"/>
+          <p:nvPr/>
+        </p:nvSpPr>
+        <p:spPr>
+          <a:xfrm>
+            <a:off x="8433352" y="1883424"/>
+            <a:ext cx="2491388" cy="461665"/>
+          </a:xfrm>
+          <a:prstGeom prst="rect">
+            <a:avLst/>
+          </a:prstGeom>
+          <a:noFill/>
+        </p:spPr>
+        <p:txBody>
+          <a:bodyPr wrap="none" rtlCol="0">
+            <a:spAutoFit/>
+          </a:bodyPr>
+          <a:lstStyle/>
+          <a:p>
+            <a:r>
+              <a:rPr lang="de-DE" sz="2400" b="1" dirty="0" err="1"/>
+              <a:t>Debug</a:t>
+            </a:r>
+            <a:r>
+              <a:rPr lang="de-DE" sz="2400" b="1" dirty="0"/>
+              <a:t>-Adapter</a:t>
+            </a:r>
+            <a:endParaRPr lang="de-CH" sz="2400" b="1" dirty="0"/>
+          </a:p>
+        </p:txBody>
+      </p:sp>
+      <p:sp>
+        <p:nvSpPr>
+          <p:cNvPr id="10" name="Rechteck 9">
+            <a:extLst>
+              <a:ext uri="{FF2B5EF4-FFF2-40B4-BE49-F238E27FC236}">
+                <a16:creationId xmlns:a16="http://schemas.microsoft.com/office/drawing/2014/main" id="{12DBC2FE-7C40-E930-439B-664887CBB994}"/>
+              </a:ext>
+            </a:extLst>
+          </p:cNvPr>
+          <p:cNvSpPr/>
+          <p:nvPr/>
+        </p:nvSpPr>
+        <p:spPr>
+          <a:xfrm>
+            <a:off x="11382000" y="0"/>
+            <a:ext cx="810000" cy="810000"/>
+          </a:xfrm>
+          <a:prstGeom prst="rect">
+            <a:avLst/>
+          </a:prstGeom>
+          <a:blipFill>
+            <a:blip r:embed="rId6">
+              <a:duotone>
+                <a:schemeClr val="accent2">
+                  <a:shade val="45000"/>
+                  <a:satMod val="135000"/>
+                </a:schemeClr>
+                <a:prstClr val="white"/>
+              </a:duotone>
+              <a:extLst>
+                <a:ext uri="{28A0092B-C50C-407E-A947-70E740481C1C}">
+                  <a14:useLocalDpi xmlns:a14="http://schemas.microsoft.com/office/drawing/2010/main" val="0"/>
+                </a:ext>
+              </a:extLst>
+            </a:blip>
+            <a:srcRect/>
+            <a:stretch>
+              <a:fillRect/>
+            </a:stretch>
+          </a:blipFill>
+          <a:ln>
+            <a:noFill/>
+          </a:ln>
+        </p:spPr>
+        <p:style>
+          <a:lnRef idx="2">
+            <a:scrgbClr r="0" g="0" b="0"/>
+          </a:lnRef>
+          <a:fillRef idx="1">
+            <a:scrgbClr r="0" g="0" b="0"/>
+          </a:fillRef>
+          <a:effectRef idx="0">
+            <a:schemeClr val="accent5">
+              <a:hueOff val="0"/>
+              <a:satOff val="0"/>
+              <a:lumOff val="0"/>
+              <a:alphaOff val="0"/>
+            </a:schemeClr>
+          </a:effectRef>
+          <a:fontRef idx="minor">
+            <a:schemeClr val="lt1"/>
+          </a:fontRef>
+        </p:style>
+        <p:txBody>
+          <a:bodyPr/>
+          <a:lstStyle/>
+          <a:p>
+            <a:endParaRPr lang="de-CH"/>
+          </a:p>
+        </p:txBody>
+      </p:sp>
+    </p:spTree>
+    <p:extLst>
+      <p:ext uri="{BB962C8B-B14F-4D97-AF65-F5344CB8AC3E}">
+        <p14:creationId xmlns:p14="http://schemas.microsoft.com/office/powerpoint/2010/main" val="32655976"/>
+      </p:ext>
+    </p:extLst>
+  </p:cSld>
+  <p:clrMapOvr>
+    <a:masterClrMapping/>
+  </p:clrMapOvr>
+</p:sld>
+</file>
+
+<file path=ppt/slides/slide12.xml><?xml version="1.0" encoding="utf-8"?>
 <p:sld xmlns:a="http://schemas.openxmlformats.org/drawingml/2006/main" xmlns:r="http://schemas.openxmlformats.org/officeDocument/2006/relationships" xmlns:p="http://schemas.openxmlformats.org/presentationml/2006/main">
   <p:cSld>
     <p:spTree>
@@ -7846,7 +8332,7 @@
 </p:sld>
 </file>
 
-<file path=ppt/slides/slide12.xml><?xml version="1.0" encoding="utf-8"?>
+<file path=ppt/slides/slide13.xml><?xml version="1.0" encoding="utf-8"?>
 <p:sld xmlns:a="http://schemas.openxmlformats.org/drawingml/2006/main" xmlns:r="http://schemas.openxmlformats.org/officeDocument/2006/relationships" xmlns:p="http://schemas.openxmlformats.org/presentationml/2006/main">
   <p:cSld>
     <p:bg>
@@ -8113,7 +8599,7 @@
 </p:sld>
 </file>
 
-<file path=ppt/slides/slide13.xml><?xml version="1.0" encoding="utf-8"?>
+<file path=ppt/slides/slide14.xml><?xml version="1.0" encoding="utf-8"?>
 <p:sld xmlns:a="http://schemas.openxmlformats.org/drawingml/2006/main" xmlns:r="http://schemas.openxmlformats.org/officeDocument/2006/relationships" xmlns:p="http://schemas.openxmlformats.org/presentationml/2006/main">
   <p:cSld>
     <p:spTree>
@@ -9163,6 +9649,12 @@
             <a:r>
               <a:rPr lang="de-DE" dirty="0"/>
               <a:t>Grobe Zeitplanung aufgestellt</a:t>
+            </a:r>
+          </a:p>
+          <a:p>
+            <a:r>
+              <a:rPr lang="de-DE" dirty="0"/>
+              <a:t>Entwicklung Hard- und Software</a:t>
             </a:r>
             <a:endParaRPr lang="de-CH" dirty="0"/>
           </a:p>

--- a/Dokumentation/Präsentation/BAT_Zwischenpraesentation.pptx
+++ b/Dokumentation/Präsentation/BAT_Zwischenpraesentation.pptx
@@ -3537,7 +3537,7 @@
           <a:p>
             <a:fld id="{999A8DD2-C443-44AD-85B3-4CE72B962C5F}" type="datetimeFigureOut">
               <a:rPr lang="en-US" smtClean="0"/>
-              <a:t>4/15/2024</a:t>
+              <a:t>4/23/2024</a:t>
             </a:fld>
             <a:endParaRPr lang="en-US"/>
           </a:p>
@@ -3745,7 +3745,7 @@
           <a:p>
             <a:fld id="{999A8DD2-C443-44AD-85B3-4CE72B962C5F}" type="datetimeFigureOut">
               <a:rPr lang="en-US" smtClean="0"/>
-              <a:t>4/15/2024</a:t>
+              <a:t>4/23/2024</a:t>
             </a:fld>
             <a:endParaRPr lang="en-US"/>
           </a:p>
@@ -3953,7 +3953,7 @@
           <a:p>
             <a:fld id="{999A8DD2-C443-44AD-85B3-4CE72B962C5F}" type="datetimeFigureOut">
               <a:rPr lang="en-US" smtClean="0"/>
-              <a:t>4/15/2024</a:t>
+              <a:t>4/23/2024</a:t>
             </a:fld>
             <a:endParaRPr lang="en-US"/>
           </a:p>
@@ -4151,7 +4151,7 @@
           <a:p>
             <a:fld id="{999A8DD2-C443-44AD-85B3-4CE72B962C5F}" type="datetimeFigureOut">
               <a:rPr lang="en-US" smtClean="0"/>
-              <a:t>4/15/2024</a:t>
+              <a:t>4/23/2024</a:t>
             </a:fld>
             <a:endParaRPr lang="en-US"/>
           </a:p>
@@ -4429,7 +4429,7 @@
           <a:p>
             <a:fld id="{999A8DD2-C443-44AD-85B3-4CE72B962C5F}" type="datetimeFigureOut">
               <a:rPr lang="en-US" smtClean="0"/>
-              <a:t>4/15/2024</a:t>
+              <a:t>4/23/2024</a:t>
             </a:fld>
             <a:endParaRPr lang="en-US"/>
           </a:p>
@@ -4701,7 +4701,7 @@
           <a:p>
             <a:fld id="{999A8DD2-C443-44AD-85B3-4CE72B962C5F}" type="datetimeFigureOut">
               <a:rPr lang="en-US" smtClean="0"/>
-              <a:t>4/15/2024</a:t>
+              <a:t>4/23/2024</a:t>
             </a:fld>
             <a:endParaRPr lang="en-US"/>
           </a:p>
@@ -5125,7 +5125,7 @@
           <a:p>
             <a:fld id="{999A8DD2-C443-44AD-85B3-4CE72B962C5F}" type="datetimeFigureOut">
               <a:rPr lang="en-US" smtClean="0"/>
-              <a:t>4/15/2024</a:t>
+              <a:t>4/23/2024</a:t>
             </a:fld>
             <a:endParaRPr lang="en-US"/>
           </a:p>
@@ -5266,7 +5266,7 @@
           <a:p>
             <a:fld id="{999A8DD2-C443-44AD-85B3-4CE72B962C5F}" type="datetimeFigureOut">
               <a:rPr lang="en-US" smtClean="0"/>
-              <a:t>4/15/2024</a:t>
+              <a:t>4/23/2024</a:t>
             </a:fld>
             <a:endParaRPr lang="en-US"/>
           </a:p>
@@ -5379,7 +5379,7 @@
           <a:p>
             <a:fld id="{999A8DD2-C443-44AD-85B3-4CE72B962C5F}" type="datetimeFigureOut">
               <a:rPr lang="en-US" smtClean="0"/>
-              <a:t>4/15/2024</a:t>
+              <a:t>4/23/2024</a:t>
             </a:fld>
             <a:endParaRPr lang="en-US"/>
           </a:p>
@@ -5698,7 +5698,7 @@
           <a:p>
             <a:fld id="{999A8DD2-C443-44AD-85B3-4CE72B962C5F}" type="datetimeFigureOut">
               <a:rPr lang="en-US" smtClean="0"/>
-              <a:t>4/15/2024</a:t>
+              <a:t>4/23/2024</a:t>
             </a:fld>
             <a:endParaRPr lang="en-US"/>
           </a:p>
@@ -5992,7 +5992,7 @@
           <a:p>
             <a:fld id="{999A8DD2-C443-44AD-85B3-4CE72B962C5F}" type="datetimeFigureOut">
               <a:rPr lang="en-US" smtClean="0"/>
-              <a:t>4/15/2024</a:t>
+              <a:t>4/23/2024</a:t>
             </a:fld>
             <a:endParaRPr lang="en-US"/>
           </a:p>
@@ -6232,7 +6232,7 @@
           <a:p>
             <a:fld id="{999A8DD2-C443-44AD-85B3-4CE72B962C5F}" type="datetimeFigureOut">
               <a:rPr lang="en-US" smtClean="0"/>
-              <a:t>4/15/2024</a:t>
+              <a:t>4/23/2024</a:t>
             </a:fld>
             <a:endParaRPr lang="en-US"/>
           </a:p>
@@ -6921,7 +6921,7 @@
                 </a:solidFill>
                 <a:latin typeface="Agency FB" panose="020B0503020202020204" pitchFamily="34" charset="0"/>
               </a:rPr>
-              <a:t>Analyse von Umgebungslärm</a:t>
+              <a:t>Analyse von Umgebungslärm*</a:t>
             </a:r>
           </a:p>
         </p:txBody>
@@ -7846,8 +7846,8 @@
           <a:lstStyle/>
           <a:p>
             <a:r>
-              <a:rPr lang="de-DE" dirty="0"/>
-              <a:t>Stand – Hardware</a:t>
+              <a:rPr lang="de-DE"/>
+              <a:t>Stand - Hardware</a:t>
             </a:r>
             <a:br>
               <a:rPr lang="de-DE" dirty="0"/>
@@ -8166,6 +8166,12 @@
           <a:p>
             <a:r>
               <a:rPr lang="de-DE" dirty="0"/>
+              <a:t>Fertigstellung Treiber</a:t>
+            </a:r>
+          </a:p>
+          <a:p>
+            <a:r>
+              <a:rPr lang="de-DE" dirty="0"/>
               <a:t>Implementation Gewichtungsfilter</a:t>
             </a:r>
           </a:p>
@@ -8192,7 +8198,7 @@
             <a:pPr lvl="1"/>
             <a:r>
               <a:rPr lang="de-CH" dirty="0"/>
-              <a:t>Mikrofon-Kalibrierung</a:t>
+              <a:t>Mikrofon</a:t>
             </a:r>
           </a:p>
           <a:p>
@@ -9246,6 +9252,31 @@
           <a:p>
             <a:r>
               <a:rPr lang="de-DE" dirty="0"/>
+              <a:t>Bestehende Geräte </a:t>
+            </a:r>
+            <a:r>
+              <a:rPr lang="de-DE" dirty="0">
+                <a:sym typeface="Wingdings" panose="05000000000000000000" pitchFamily="2" charset="2"/>
+              </a:rPr>
+              <a:t> unhandlich, </a:t>
+            </a:r>
+            <a:r>
+              <a:rPr lang="de-DE" dirty="0" err="1">
+                <a:sym typeface="Wingdings" panose="05000000000000000000" pitchFamily="2" charset="2"/>
+              </a:rPr>
+              <a:t>gross</a:t>
+            </a:r>
+            <a:r>
+              <a:rPr lang="de-DE" dirty="0">
+                <a:sym typeface="Wingdings" panose="05000000000000000000" pitchFamily="2" charset="2"/>
+              </a:rPr>
+              <a:t>, optisch nicht schön</a:t>
+            </a:r>
+            <a:endParaRPr lang="de-DE" dirty="0"/>
+          </a:p>
+          <a:p>
+            <a:r>
+              <a:rPr lang="de-DE" dirty="0"/>
               <a:t>Masterarbeit von Sophie Willener (</a:t>
             </a:r>
             <a:r>
@@ -9300,6 +9331,13 @@
             <a:r>
               <a:rPr lang="de-DE" dirty="0"/>
               <a:t>Akku (nicht im Betrieb)</a:t>
+            </a:r>
+          </a:p>
+          <a:p>
+            <a:pPr lvl="1"/>
+            <a:r>
+              <a:rPr lang="de-DE" dirty="0"/>
+              <a:t>Gesamtdurchmesser 40mm</a:t>
             </a:r>
             <a:endParaRPr lang="de-CH" dirty="0"/>
           </a:p>
@@ -9412,6 +9450,12 @@
             <a:r>
               <a:rPr lang="de-DE" dirty="0"/>
               <a:t>USB-C Ladefähigkeit</a:t>
+            </a:r>
+          </a:p>
+          <a:p>
+            <a:r>
+              <a:rPr lang="de-DE" dirty="0"/>
+              <a:t>Optisch ansprechendes Design</a:t>
             </a:r>
           </a:p>
           <a:p>
@@ -9648,13 +9692,20 @@
           <a:p>
             <a:r>
               <a:rPr lang="de-DE" dirty="0"/>
-              <a:t>Grobe Zeitplanung aufgestellt</a:t>
+              <a:t>Zeitplanung aufgestellt</a:t>
             </a:r>
           </a:p>
           <a:p>
             <a:r>
               <a:rPr lang="de-DE" dirty="0"/>
               <a:t>Entwicklung Hard- und Software</a:t>
+            </a:r>
+          </a:p>
+          <a:p>
+            <a:pPr lvl="1"/>
+            <a:r>
+              <a:rPr lang="de-DE" dirty="0"/>
+              <a:t>Iterativ / Agile</a:t>
             </a:r>
             <a:endParaRPr lang="de-CH" dirty="0"/>
           </a:p>
@@ -9833,7 +9884,9 @@
         </p:nvSpPr>
         <p:spPr/>
         <p:txBody>
-          <a:bodyPr/>
+          <a:bodyPr>
+            <a:normAutofit/>
+          </a:bodyPr>
           <a:lstStyle/>
           <a:p>
             <a:r>
@@ -9844,7 +9897,7 @@
           <a:p>
             <a:r>
               <a:rPr lang="de-DE" dirty="0"/>
-              <a:t>SPI-Treiber</a:t>
+              <a:t>SPI-Treiber (SDK)</a:t>
             </a:r>
           </a:p>
           <a:p>
@@ -9859,8 +9912,14 @@
           </a:p>
           <a:p>
             <a:r>
-              <a:rPr lang="de-DE" dirty="0"/>
-              <a:t>PDM-Treiber (SDK)</a:t>
+              <a:rPr lang="de-DE" u="sng" dirty="0"/>
+              <a:t>PDM-Treiber </a:t>
+            </a:r>
+          </a:p>
+          <a:p>
+            <a:r>
+              <a:rPr lang="de-DE" u="sng" dirty="0"/>
+              <a:t>PDM-Treiber </a:t>
             </a:r>
           </a:p>
           <a:p>
@@ -10178,40 +10237,6 @@
           </a:p>
         </p:txBody>
       </p:sp>
-      <p:pic>
-        <p:nvPicPr>
-          <p:cNvPr id="6" name="Inhaltsplatzhalter 5">
-            <a:extLst>
-              <a:ext uri="{FF2B5EF4-FFF2-40B4-BE49-F238E27FC236}">
-                <a16:creationId xmlns:a16="http://schemas.microsoft.com/office/drawing/2014/main" id="{A63A1F95-8652-9154-C4B1-485560096680}"/>
-              </a:ext>
-            </a:extLst>
-          </p:cNvPr>
-          <p:cNvPicPr>
-            <a:picLocks noGrp="1" noChangeAspect="1"/>
-          </p:cNvPicPr>
-          <p:nvPr>
-            <p:ph idx="1"/>
-          </p:nvPr>
-        </p:nvPicPr>
-        <p:blipFill>
-          <a:blip r:embed="rId2">
-            <a:extLst>
-              <a:ext uri="{28A0092B-C50C-407E-A947-70E740481C1C}">
-                <a14:useLocalDpi xmlns:a14="http://schemas.microsoft.com/office/drawing/2010/main" val="0"/>
-              </a:ext>
-            </a:extLst>
-          </a:blip>
-          <a:srcRect/>
-          <a:stretch/>
-        </p:blipFill>
-        <p:spPr>
-          <a:xfrm>
-            <a:off x="2710777" y="1299965"/>
-            <a:ext cx="6770445" cy="5211034"/>
-          </a:xfrm>
-        </p:spPr>
-      </p:pic>
       <p:sp>
         <p:nvSpPr>
           <p:cNvPr id="5" name="Rechteck 4">
@@ -10233,7 +10258,7 @@
             <a:avLst/>
           </a:prstGeom>
           <a:blipFill>
-            <a:blip r:embed="rId3">
+            <a:blip r:embed="rId2">
               <a:duotone>
                 <a:schemeClr val="accent2">
                   <a:shade val="45000"/>
@@ -10283,6 +10308,41 @@
           </a:p>
         </p:txBody>
       </p:sp>
+      <p:pic>
+        <p:nvPicPr>
+          <p:cNvPr id="8" name="Inhaltsplatzhalter 7" descr="Ein Bild, das Text, Screenshot, Schrift, Design enthält.&#10;&#10;Automatisch generierte Beschreibung">
+            <a:extLst>
+              <a:ext uri="{FF2B5EF4-FFF2-40B4-BE49-F238E27FC236}">
+                <a16:creationId xmlns:a16="http://schemas.microsoft.com/office/drawing/2014/main" id="{EC4EB47F-ABF2-7ECB-3D0D-4D382931B800}"/>
+              </a:ext>
+            </a:extLst>
+          </p:cNvPr>
+          <p:cNvPicPr>
+            <a:picLocks noGrp="1" noChangeAspect="1"/>
+          </p:cNvPicPr>
+          <p:nvPr>
+            <p:ph idx="1"/>
+          </p:nvPr>
+        </p:nvPicPr>
+        <p:blipFill>
+          <a:blip r:embed="rId3">
+            <a:extLst>
+              <a:ext uri="{28A0092B-C50C-407E-A947-70E740481C1C}">
+                <a14:useLocalDpi xmlns:a14="http://schemas.microsoft.com/office/drawing/2010/main" val="0"/>
+              </a:ext>
+            </a:extLst>
+          </a:blip>
+          <a:stretch>
+            <a:fillRect/>
+          </a:stretch>
+        </p:blipFill>
+        <p:spPr>
+          <a:xfrm>
+            <a:off x="1510251" y="1338505"/>
+            <a:ext cx="9171498" cy="5194591"/>
+          </a:xfrm>
+        </p:spPr>
+      </p:pic>
     </p:spTree>
     <p:extLst>
       <p:ext uri="{BB962C8B-B14F-4D97-AF65-F5344CB8AC3E}">
@@ -10388,6 +10448,13 @@
             <a:r>
               <a:rPr lang="de-CH" dirty="0"/>
               <a:t>Im Kreis angeordnete LEDs</a:t>
+            </a:r>
+          </a:p>
+          <a:p>
+            <a:pPr lvl="1"/>
+            <a:r>
+              <a:rPr lang="de-CH" dirty="0"/>
+              <a:t>Zusatz: Vertikal angeordnete LEDs (V1-3)</a:t>
             </a:r>
           </a:p>
           <a:p>
@@ -10704,6 +10771,101 @@
               <a:t>Front</a:t>
             </a:r>
             <a:endParaRPr lang="de-CH" b="1" dirty="0"/>
+          </a:p>
+        </p:txBody>
+      </p:sp>
+      <p:cxnSp>
+        <p:nvCxnSpPr>
+          <p:cNvPr id="10" name="Gerade Verbindung mit Pfeil 9">
+            <a:extLst>
+              <a:ext uri="{FF2B5EF4-FFF2-40B4-BE49-F238E27FC236}">
+                <a16:creationId xmlns:a16="http://schemas.microsoft.com/office/drawing/2014/main" id="{ADCCE822-4E6B-9561-90DC-A5C65A5F035B}"/>
+              </a:ext>
+            </a:extLst>
+          </p:cNvPr>
+          <p:cNvCxnSpPr>
+            <a:cxnSpLocks/>
+          </p:cNvCxnSpPr>
+          <p:nvPr/>
+        </p:nvCxnSpPr>
+        <p:spPr>
+          <a:xfrm>
+            <a:off x="6909361" y="1299137"/>
+            <a:ext cx="4356865" cy="0"/>
+          </a:xfrm>
+          <a:prstGeom prst="straightConnector1">
+            <a:avLst/>
+          </a:prstGeom>
+          <a:ln w="28575">
+            <a:solidFill>
+              <a:srgbClr val="FFFF00"/>
+            </a:solidFill>
+            <a:headEnd type="triangle"/>
+            <a:tailEnd type="triangle"/>
+          </a:ln>
+        </p:spPr>
+        <p:style>
+          <a:lnRef idx="1">
+            <a:schemeClr val="accent1"/>
+          </a:lnRef>
+          <a:fillRef idx="0">
+            <a:schemeClr val="accent1"/>
+          </a:fillRef>
+          <a:effectRef idx="0">
+            <a:schemeClr val="accent1"/>
+          </a:effectRef>
+          <a:fontRef idx="minor">
+            <a:schemeClr val="tx1"/>
+          </a:fontRef>
+        </p:style>
+      </p:cxnSp>
+      <p:sp>
+        <p:nvSpPr>
+          <p:cNvPr id="11" name="Textfeld 10">
+            <a:extLst>
+              <a:ext uri="{FF2B5EF4-FFF2-40B4-BE49-F238E27FC236}">
+                <a16:creationId xmlns:a16="http://schemas.microsoft.com/office/drawing/2014/main" id="{7956BDBB-CCC2-34DB-4A87-78716E03784A}"/>
+              </a:ext>
+            </a:extLst>
+          </p:cNvPr>
+          <p:cNvSpPr txBox="1"/>
+          <p:nvPr/>
+        </p:nvSpPr>
+        <p:spPr>
+          <a:xfrm>
+            <a:off x="8639757" y="955131"/>
+            <a:ext cx="877163" cy="369332"/>
+          </a:xfrm>
+          <a:prstGeom prst="rect">
+            <a:avLst/>
+          </a:prstGeom>
+          <a:noFill/>
+        </p:spPr>
+        <p:txBody>
+          <a:bodyPr wrap="none" rtlCol="0">
+            <a:spAutoFit/>
+          </a:bodyPr>
+          <a:lstStyle/>
+          <a:p>
+            <a:r>
+              <a:rPr lang="de-DE" dirty="0">
+                <a:solidFill>
+                  <a:srgbClr val="FFFF00"/>
+                </a:solidFill>
+                <a:highlight>
+                  <a:srgbClr val="000000"/>
+                </a:highlight>
+              </a:rPr>
+              <a:t>60mm</a:t>
+            </a:r>
+            <a:endParaRPr lang="de-CH" dirty="0">
+              <a:solidFill>
+                <a:srgbClr val="FFFF00"/>
+              </a:solidFill>
+              <a:highlight>
+                <a:srgbClr val="000000"/>
+              </a:highlight>
+            </a:endParaRPr>
           </a:p>
         </p:txBody>
       </p:sp>
